--- a/Presentation.pptx
+++ b/Presentation.pptx
@@ -207,7 +207,7 @@
           <a:p>
             <a:fld id="{238C1AD7-969B-48AE-88C1-8E737A181543}" type="datetimeFigureOut">
               <a:rPr lang="en-CH" smtClean="0"/>
-              <a:t>03/05/2018</a:t>
+              <a:t>04/05/2018</a:t>
             </a:fld>
             <a:endParaRPr lang="en-CH"/>
           </a:p>
@@ -806,7 +806,7 @@
           <a:p>
             <a:fld id="{D924B8A7-DE5B-4AF2-95C4-A8DF4D4FD65D}" type="datetimeFigureOut">
               <a:rPr lang="en-CH" smtClean="0"/>
-              <a:t>03/05/2018</a:t>
+              <a:t>04/05/2018</a:t>
             </a:fld>
             <a:endParaRPr lang="en-CH"/>
           </a:p>
@@ -1130,7 +1130,7 @@
           <a:p>
             <a:fld id="{D924B8A7-DE5B-4AF2-95C4-A8DF4D4FD65D}" type="datetimeFigureOut">
               <a:rPr lang="en-CH" smtClean="0"/>
-              <a:t>03/05/2018</a:t>
+              <a:t>04/05/2018</a:t>
             </a:fld>
             <a:endParaRPr lang="en-CH"/>
           </a:p>
@@ -1378,7 +1378,7 @@
           <a:p>
             <a:fld id="{D924B8A7-DE5B-4AF2-95C4-A8DF4D4FD65D}" type="datetimeFigureOut">
               <a:rPr lang="en-CH" smtClean="0"/>
-              <a:t>03/05/2018</a:t>
+              <a:t>04/05/2018</a:t>
             </a:fld>
             <a:endParaRPr lang="en-CH"/>
           </a:p>
@@ -1717,7 +1717,7 @@
           <a:p>
             <a:fld id="{D924B8A7-DE5B-4AF2-95C4-A8DF4D4FD65D}" type="datetimeFigureOut">
               <a:rPr lang="en-CH" smtClean="0"/>
-              <a:t>03/05/2018</a:t>
+              <a:t>04/05/2018</a:t>
             </a:fld>
             <a:endParaRPr lang="en-CH"/>
           </a:p>
@@ -2064,7 +2064,7 @@
           <a:p>
             <a:fld id="{D924B8A7-DE5B-4AF2-95C4-A8DF4D4FD65D}" type="datetimeFigureOut">
               <a:rPr lang="en-CH" smtClean="0"/>
-              <a:t>03/05/2018</a:t>
+              <a:t>04/05/2018</a:t>
             </a:fld>
             <a:endParaRPr lang="en-CH"/>
           </a:p>
@@ -2438,7 +2438,7 @@
           <a:p>
             <a:fld id="{D924B8A7-DE5B-4AF2-95C4-A8DF4D4FD65D}" type="datetimeFigureOut">
               <a:rPr lang="en-CH" smtClean="0"/>
-              <a:t>03/05/2018</a:t>
+              <a:t>04/05/2018</a:t>
             </a:fld>
             <a:endParaRPr lang="en-CH"/>
           </a:p>
@@ -2908,7 +2908,7 @@
           <a:p>
             <a:fld id="{D924B8A7-DE5B-4AF2-95C4-A8DF4D4FD65D}" type="datetimeFigureOut">
               <a:rPr lang="en-CH" smtClean="0"/>
-              <a:t>03/05/2018</a:t>
+              <a:t>04/05/2018</a:t>
             </a:fld>
             <a:endParaRPr lang="en-CH"/>
           </a:p>
@@ -3113,7 +3113,7 @@
           <a:p>
             <a:fld id="{D924B8A7-DE5B-4AF2-95C4-A8DF4D4FD65D}" type="datetimeFigureOut">
               <a:rPr lang="en-CH" smtClean="0"/>
-              <a:t>03/05/2018</a:t>
+              <a:t>04/05/2018</a:t>
             </a:fld>
             <a:endParaRPr lang="en-CH"/>
           </a:p>
@@ -3324,7 +3324,7 @@
           <a:p>
             <a:fld id="{D924B8A7-DE5B-4AF2-95C4-A8DF4D4FD65D}" type="datetimeFigureOut">
               <a:rPr lang="en-CH" smtClean="0"/>
-              <a:t>03/05/2018</a:t>
+              <a:t>04/05/2018</a:t>
             </a:fld>
             <a:endParaRPr lang="en-CH"/>
           </a:p>
@@ -3556,7 +3556,7 @@
           <a:p>
             <a:fld id="{D924B8A7-DE5B-4AF2-95C4-A8DF4D4FD65D}" type="datetimeFigureOut">
               <a:rPr lang="en-CH" smtClean="0"/>
-              <a:t>03/05/2018</a:t>
+              <a:t>04/05/2018</a:t>
             </a:fld>
             <a:endParaRPr lang="en-CH"/>
           </a:p>
@@ -3804,7 +3804,7 @@
           <a:p>
             <a:fld id="{D924B8A7-DE5B-4AF2-95C4-A8DF4D4FD65D}" type="datetimeFigureOut">
               <a:rPr lang="en-CH" smtClean="0"/>
-              <a:t>03/05/2018</a:t>
+              <a:t>04/05/2018</a:t>
             </a:fld>
             <a:endParaRPr lang="en-CH"/>
           </a:p>
@@ -4102,7 +4102,7 @@
           <a:p>
             <a:fld id="{D924B8A7-DE5B-4AF2-95C4-A8DF4D4FD65D}" type="datetimeFigureOut">
               <a:rPr lang="en-CH" smtClean="0"/>
-              <a:t>03/05/2018</a:t>
+              <a:t>04/05/2018</a:t>
             </a:fld>
             <a:endParaRPr lang="en-CH"/>
           </a:p>
@@ -4496,7 +4496,7 @@
           <a:p>
             <a:fld id="{D924B8A7-DE5B-4AF2-95C4-A8DF4D4FD65D}" type="datetimeFigureOut">
               <a:rPr lang="en-CH" smtClean="0"/>
-              <a:t>03/05/2018</a:t>
+              <a:t>04/05/2018</a:t>
             </a:fld>
             <a:endParaRPr lang="en-CH"/>
           </a:p>
@@ -4645,7 +4645,7 @@
           <a:p>
             <a:fld id="{D924B8A7-DE5B-4AF2-95C4-A8DF4D4FD65D}" type="datetimeFigureOut">
               <a:rPr lang="en-CH" smtClean="0"/>
-              <a:t>03/05/2018</a:t>
+              <a:t>04/05/2018</a:t>
             </a:fld>
             <a:endParaRPr lang="en-CH"/>
           </a:p>
@@ -4771,7 +4771,7 @@
           <a:p>
             <a:fld id="{D924B8A7-DE5B-4AF2-95C4-A8DF4D4FD65D}" type="datetimeFigureOut">
               <a:rPr lang="en-CH" smtClean="0"/>
-              <a:t>03/05/2018</a:t>
+              <a:t>04/05/2018</a:t>
             </a:fld>
             <a:endParaRPr lang="en-CH"/>
           </a:p>
@@ -5026,7 +5026,7 @@
           <a:p>
             <a:fld id="{D924B8A7-DE5B-4AF2-95C4-A8DF4D4FD65D}" type="datetimeFigureOut">
               <a:rPr lang="en-CH" smtClean="0"/>
-              <a:t>03/05/2018</a:t>
+              <a:t>04/05/2018</a:t>
             </a:fld>
             <a:endParaRPr lang="en-CH"/>
           </a:p>
@@ -5341,7 +5341,7 @@
           <a:p>
             <a:fld id="{D924B8A7-DE5B-4AF2-95C4-A8DF4D4FD65D}" type="datetimeFigureOut">
               <a:rPr lang="en-CH" smtClean="0"/>
-              <a:t>03/05/2018</a:t>
+              <a:t>04/05/2018</a:t>
             </a:fld>
             <a:endParaRPr lang="en-CH"/>
           </a:p>
@@ -5692,7 +5692,7 @@
           <a:p>
             <a:fld id="{D924B8A7-DE5B-4AF2-95C4-A8DF4D4FD65D}" type="datetimeFigureOut">
               <a:rPr lang="en-CH" smtClean="0"/>
-              <a:t>03/05/2018</a:t>
+              <a:t>04/05/2018</a:t>
             </a:fld>
             <a:endParaRPr lang="en-CH"/>
           </a:p>
@@ -7534,116 +7534,85 @@
           <a:lstStyle/>
           <a:p>
             <a:r>
-              <a:rPr lang="de-DE" dirty="0"/>
-              <a:t>U</a:t>
+              <a:rPr lang="en-CH" dirty="0"/>
+              <a:t>Otsu Binarization</a:t>
+            </a:r>
+          </a:p>
+          <a:p>
+            <a:r>
+              <a:rPr lang="en-CH" dirty="0"/>
+              <a:t>D</a:t>
+            </a:r>
+            <a:r>
+              <a:rPr lang="de-DE" dirty="0"/>
+              <a:t>I</a:t>
+            </a:r>
+            <a:r>
+              <a:rPr lang="en-CH" dirty="0"/>
+              <a:t>V</a:t>
+            </a:r>
+            <a:r>
+              <a:rPr lang="de-DE" dirty="0"/>
+              <a:t>A</a:t>
+            </a:r>
+            <a:r>
+              <a:rPr lang="en-CH" dirty="0"/>
+              <a:t> </a:t>
+            </a:r>
+            <a:r>
+              <a:rPr lang="de-DE" dirty="0"/>
+              <a:t>S</a:t>
+            </a:r>
+            <a:r>
+              <a:rPr lang="en-CH" dirty="0"/>
+              <a:t>e</a:t>
+            </a:r>
+            <a:r>
+              <a:rPr lang="de-DE" dirty="0"/>
+              <a:t>r</a:t>
+            </a:r>
+            <a:r>
+              <a:rPr lang="en-CH" dirty="0"/>
+              <a:t>v</a:t>
+            </a:r>
+            <a:r>
+              <a:rPr lang="de-DE" dirty="0"/>
+              <a:t>i</a:t>
+            </a:r>
+            <a:r>
+              <a:rPr lang="en-CH" dirty="0"/>
+              <a:t>c</a:t>
+            </a:r>
+            <a:r>
+              <a:rPr lang="de-DE" dirty="0"/>
+              <a:t>e</a:t>
             </a:r>
             <a:r>
               <a:rPr lang="en-CH" dirty="0"/>
               <a:t>s</a:t>
             </a:r>
-            <a:r>
-              <a:rPr lang="de-DE" dirty="0"/>
-              <a:t>e</a:t>
-            </a:r>
-            <a:r>
-              <a:rPr lang="en-CH" dirty="0"/>
-              <a:t> </a:t>
-            </a:r>
-            <a:r>
-              <a:rPr lang="de-DE" dirty="0"/>
-              <a:t>D</a:t>
-            </a:r>
-            <a:r>
-              <a:rPr lang="en-CH" dirty="0"/>
-              <a:t>I</a:t>
-            </a:r>
-            <a:r>
-              <a:rPr lang="de-DE" dirty="0"/>
-              <a:t>V</a:t>
-            </a:r>
-            <a:r>
-              <a:rPr lang="en-CH" dirty="0"/>
-              <a:t>A </a:t>
-            </a:r>
-            <a:r>
-              <a:rPr lang="de-DE" dirty="0"/>
-              <a:t>S</a:t>
-            </a:r>
-            <a:r>
-              <a:rPr lang="en-CH" dirty="0"/>
-              <a:t>e</a:t>
-            </a:r>
-            <a:r>
-              <a:rPr lang="de-DE" dirty="0"/>
-              <a:t>r</a:t>
-            </a:r>
-            <a:r>
-              <a:rPr lang="en-CH" dirty="0"/>
-              <a:t>v</a:t>
-            </a:r>
-            <a:r>
-              <a:rPr lang="de-DE" dirty="0"/>
-              <a:t>i</a:t>
-            </a:r>
-            <a:r>
-              <a:rPr lang="en-CH" dirty="0"/>
-              <a:t>c</a:t>
-            </a:r>
-            <a:r>
-              <a:rPr lang="de-DE" dirty="0"/>
-              <a:t>e</a:t>
-            </a:r>
-            <a:r>
-              <a:rPr lang="en-CH" dirty="0"/>
-              <a:t>s </a:t>
-            </a:r>
-            <a:r>
-              <a:rPr lang="de-DE" dirty="0"/>
-              <a:t>H</a:t>
-            </a:r>
-            <a:r>
-              <a:rPr lang="en-CH" dirty="0"/>
-              <a:t>A</a:t>
-            </a:r>
-            <a:r>
-              <a:rPr lang="de-DE" dirty="0"/>
-              <a:t>H</a:t>
-            </a:r>
-            <a:r>
-              <a:rPr lang="en-CH" dirty="0"/>
-              <a:t>A</a:t>
-            </a:r>
-            <a:r>
-              <a:rPr lang="de-DE" dirty="0"/>
-              <a:t>H</a:t>
-            </a:r>
-            <a:r>
-              <a:rPr lang="en-CH" dirty="0"/>
-              <a:t>A</a:t>
-            </a:r>
-            <a:r>
-              <a:rPr lang="de-DE" dirty="0"/>
-              <a:t>H</a:t>
-            </a:r>
-            <a:r>
-              <a:rPr lang="en-CH" dirty="0"/>
-              <a:t>A</a:t>
-            </a:r>
-            <a:r>
-              <a:rPr lang="de-DE" dirty="0"/>
-              <a:t>H</a:t>
-            </a:r>
-            <a:r>
-              <a:rPr lang="en-CH" dirty="0"/>
-              <a:t>A</a:t>
-            </a:r>
-            <a:r>
-              <a:rPr lang="de-DE" dirty="0"/>
-              <a:t>H</a:t>
-            </a:r>
-            <a:r>
-              <a:rPr lang="en-CH" dirty="0"/>
-              <a:t>A</a:t>
+          </a:p>
+          <a:p>
+            <a:pPr lvl="1"/>
+            <a:r>
+              <a:rPr lang="en-CH"/>
+              <a:t>Makes </a:t>
+            </a:r>
+            <a:r>
+              <a:rPr lang="en-CH" dirty="0"/>
+              <a:t>Document Image Analysis methods </a:t>
+            </a:r>
+            <a:r>
+              <a:rPr lang="en-CH" dirty="0" err="1"/>
+              <a:t>accessib</a:t>
+            </a:r>
+            <a:r>
+              <a:rPr lang="de-DE" dirty="0"/>
+              <a:t>l</a:t>
+            </a:r>
+            <a:r>
+              <a:rPr lang="en-CH" dirty="0"/>
+              <a:t>e over the web</a:t>
             </a:r>
           </a:p>
         </p:txBody>
